--- a/25/figures.pptx
+++ b/25/figures.pptx
@@ -5,10 +5,10 @@
     <p:sldMasterId id="2147483648" r:id="rId1"/>
   </p:sldMasterIdLst>
   <p:sldIdLst>
-    <p:sldId id="256" r:id="rId2"/>
-    <p:sldId id="258" r:id="rId3"/>
-    <p:sldId id="257" r:id="rId4"/>
-    <p:sldId id="259" r:id="rId5"/>
+    <p:sldId id="259" r:id="rId2"/>
+    <p:sldId id="256" r:id="rId3"/>
+    <p:sldId id="258" r:id="rId4"/>
+    <p:sldId id="257" r:id="rId5"/>
   </p:sldIdLst>
   <p:sldSz cx="12192000" cy="6858000"/>
   <p:notesSz cx="6858000" cy="9144000"/>
@@ -119,7 +119,7 @@
 <p1510:revInfo xmlns:a="http://schemas.openxmlformats.org/drawingml/2006/main" xmlns:r="http://schemas.openxmlformats.org/officeDocument/2006/relationships" xmlns:p1510="http://schemas.microsoft.com/office/powerpoint/2015/10/main">
   <p1510:revLst>
     <p1510:client id="{638573AB-3E92-44C5-926D-FC72006CC606}" v="9" dt="2023-10-22T22:12:19.957"/>
-    <p1510:client id="{AA0CF824-7A7B-45E8-86B6-F48ECD77215E}" v="2" dt="2023-10-23T15:32:08.906"/>
+    <p1510:client id="{AA0CF824-7A7B-45E8-86B6-F48ECD77215E}" v="3" dt="2023-10-23T15:37:53.266"/>
   </p1510:revLst>
 </p1510:revInfo>
 </file>
@@ -129,7 +129,7 @@
   <pc:docChgLst>
     <pc:chgData name="Yang, Ningxin" userId="5918a3b4-6e1b-478f-b1f3-3d2f23dd4d48" providerId="ADAL" clId="{AA0CF824-7A7B-45E8-86B6-F48ECD77215E}"/>
     <pc:docChg chg="undo custSel addSld modSld sldOrd">
-      <pc:chgData name="Yang, Ningxin" userId="5918a3b4-6e1b-478f-b1f3-3d2f23dd4d48" providerId="ADAL" clId="{AA0CF824-7A7B-45E8-86B6-F48ECD77215E}" dt="2023-10-23T15:32:24.683" v="559" actId="1076"/>
+      <pc:chgData name="Yang, Ningxin" userId="5918a3b4-6e1b-478f-b1f3-3d2f23dd4d48" providerId="ADAL" clId="{AA0CF824-7A7B-45E8-86B6-F48ECD77215E}" dt="2023-10-23T15:37:56.480" v="562"/>
       <pc:docMkLst>
         <pc:docMk/>
       </pc:docMkLst>
@@ -538,8 +538,8 @@
           </ac:picMkLst>
         </pc:picChg>
       </pc:sldChg>
-      <pc:sldChg chg="addSp delSp modSp new mod">
-        <pc:chgData name="Yang, Ningxin" userId="5918a3b4-6e1b-478f-b1f3-3d2f23dd4d48" providerId="ADAL" clId="{AA0CF824-7A7B-45E8-86B6-F48ECD77215E}" dt="2023-10-20T09:37:21.624" v="539" actId="20577"/>
+      <pc:sldChg chg="addSp delSp modSp new mod ord">
+        <pc:chgData name="Yang, Ningxin" userId="5918a3b4-6e1b-478f-b1f3-3d2f23dd4d48" providerId="ADAL" clId="{AA0CF824-7A7B-45E8-86B6-F48ECD77215E}" dt="2023-10-23T15:37:56.480" v="562"/>
         <pc:sldMkLst>
           <pc:docMk/>
           <pc:sldMk cId="1271617307" sldId="259"/>
@@ -568,6 +568,14 @@
             <ac:spMk id="4" creationId="{B862D70A-1524-8064-D799-A55CB7E764FF}"/>
           </ac:spMkLst>
         </pc:spChg>
+        <pc:picChg chg="add mod">
+          <ac:chgData name="Yang, Ningxin" userId="5918a3b4-6e1b-478f-b1f3-3d2f23dd4d48" providerId="ADAL" clId="{AA0CF824-7A7B-45E8-86B6-F48ECD77215E}" dt="2023-10-23T15:37:53.266" v="560"/>
+          <ac:picMkLst>
+            <pc:docMk/>
+            <pc:sldMk cId="1271617307" sldId="259"/>
+            <ac:picMk id="2" creationId="{CB2C0163-739D-3C08-D384-21DCBF52F5C0}"/>
+          </ac:picMkLst>
+        </pc:picChg>
         <pc:picChg chg="add mod">
           <ac:chgData name="Yang, Ningxin" userId="5918a3b4-6e1b-478f-b1f3-3d2f23dd4d48" providerId="ADAL" clId="{AA0CF824-7A7B-45E8-86B6-F48ECD77215E}" dt="2023-10-20T09:36:41.450" v="501" actId="1076"/>
           <ac:picMkLst>
@@ -4039,6 +4047,109 @@
 </file>
 
 <file path=ppt/slides/slide1.xml><?xml version="1.0" encoding="utf-8"?>
+<p:sld xmlns:a="http://schemas.openxmlformats.org/drawingml/2006/main" xmlns:r="http://schemas.openxmlformats.org/officeDocument/2006/relationships" xmlns:p="http://schemas.openxmlformats.org/presentationml/2006/main">
+  <p:cSld>
+    <p:spTree>
+      <p:nvGrpSpPr>
+        <p:cNvPr id="1" name=""/>
+        <p:cNvGrpSpPr/>
+        <p:nvPr/>
+      </p:nvGrpSpPr>
+      <p:grpSpPr>
+        <a:xfrm>
+          <a:off x="0" y="0"/>
+          <a:ext cx="0" cy="0"/>
+          <a:chOff x="0" y="0"/>
+          <a:chExt cx="0" cy="0"/>
+        </a:xfrm>
+      </p:grpSpPr>
+      <p:sp>
+        <p:nvSpPr>
+          <p:cNvPr id="4" name="TextBox 3">
+            <a:extLst>
+              <a:ext uri="{FF2B5EF4-FFF2-40B4-BE49-F238E27FC236}">
+                <a16:creationId xmlns:a16="http://schemas.microsoft.com/office/drawing/2014/main" id="{B862D70A-1524-8064-D799-A55CB7E764FF}"/>
+              </a:ext>
+            </a:extLst>
+          </p:cNvPr>
+          <p:cNvSpPr txBox="1"/>
+          <p:nvPr/>
+        </p:nvSpPr>
+        <p:spPr>
+          <a:xfrm>
+            <a:off x="282222" y="474133"/>
+            <a:ext cx="3773277" cy="369332"/>
+          </a:xfrm>
+          <a:prstGeom prst="rect">
+            <a:avLst/>
+          </a:prstGeom>
+          <a:noFill/>
+        </p:spPr>
+        <p:txBody>
+          <a:bodyPr wrap="none" rtlCol="0">
+            <a:spAutoFit/>
+          </a:bodyPr>
+          <a:lstStyle/>
+          <a:p>
+            <a:r>
+              <a:rPr lang="en-GB" dirty="0"/>
+              <a:t>MCMC (</a:t>
+            </a:r>
+            <a:r>
+              <a:rPr lang="en-US" altLang="zh-CN" dirty="0"/>
+              <a:t>Ground truth: 14700,92250 </a:t>
+            </a:r>
+            <a:r>
+              <a:rPr lang="en-GB" dirty="0"/>
+              <a:t>)</a:t>
+            </a:r>
+          </a:p>
+        </p:txBody>
+      </p:sp>
+      <p:pic>
+        <p:nvPicPr>
+          <p:cNvPr id="2" name="Picture 1">
+            <a:extLst>
+              <a:ext uri="{FF2B5EF4-FFF2-40B4-BE49-F238E27FC236}">
+                <a16:creationId xmlns:a16="http://schemas.microsoft.com/office/drawing/2014/main" id="{CB2C0163-739D-3C08-D384-21DCBF52F5C0}"/>
+              </a:ext>
+            </a:extLst>
+          </p:cNvPr>
+          <p:cNvPicPr>
+            <a:picLocks noChangeAspect="1"/>
+          </p:cNvPicPr>
+          <p:nvPr/>
+        </p:nvPicPr>
+        <p:blipFill>
+          <a:blip r:embed="rId2"/>
+          <a:stretch>
+            <a:fillRect/>
+          </a:stretch>
+        </p:blipFill>
+        <p:spPr>
+          <a:xfrm>
+            <a:off x="4656137" y="2637790"/>
+            <a:ext cx="2879725" cy="1582420"/>
+          </a:xfrm>
+          <a:prstGeom prst="rect">
+            <a:avLst/>
+          </a:prstGeom>
+        </p:spPr>
+      </p:pic>
+    </p:spTree>
+    <p:extLst>
+      <p:ext uri="{BB962C8B-B14F-4D97-AF65-F5344CB8AC3E}">
+        <p14:creationId xmlns:p14="http://schemas.microsoft.com/office/powerpoint/2010/main" val="1271617307"/>
+      </p:ext>
+    </p:extLst>
+  </p:cSld>
+  <p:clrMapOvr>
+    <a:masterClrMapping/>
+  </p:clrMapOvr>
+</p:sld>
+</file>
+
+<file path=ppt/slides/slide2.xml><?xml version="1.0" encoding="utf-8"?>
 <p:sld xmlns:a="http://schemas.openxmlformats.org/drawingml/2006/main" xmlns:r="http://schemas.openxmlformats.org/officeDocument/2006/relationships" xmlns:p="http://schemas.openxmlformats.org/presentationml/2006/main">
   <p:cSld>
     <p:spTree>
@@ -5282,7 +5393,7 @@
 </p:sld>
 </file>
 
-<file path=ppt/slides/slide2.xml><?xml version="1.0" encoding="utf-8"?>
+<file path=ppt/slides/slide3.xml><?xml version="1.0" encoding="utf-8"?>
 <p:sld xmlns:a="http://schemas.openxmlformats.org/drawingml/2006/main" xmlns:r="http://schemas.openxmlformats.org/officeDocument/2006/relationships" xmlns:p="http://schemas.openxmlformats.org/presentationml/2006/main">
   <p:cSld>
     <p:spTree>
@@ -5477,7 +5588,7 @@
 </p:sld>
 </file>
 
-<file path=ppt/slides/slide3.xml><?xml version="1.0" encoding="utf-8"?>
+<file path=ppt/slides/slide4.xml><?xml version="1.0" encoding="utf-8"?>
 <p:sld xmlns:a="http://schemas.openxmlformats.org/drawingml/2006/main" xmlns:r="http://schemas.openxmlformats.org/officeDocument/2006/relationships" xmlns:p="http://schemas.openxmlformats.org/presentationml/2006/main">
   <p:cSld>
     <p:spTree>
@@ -5714,79 +5825,6 @@
     <p:extLst>
       <p:ext uri="{BB962C8B-B14F-4D97-AF65-F5344CB8AC3E}">
         <p14:creationId xmlns:p14="http://schemas.microsoft.com/office/powerpoint/2010/main" val="2687671043"/>
-      </p:ext>
-    </p:extLst>
-  </p:cSld>
-  <p:clrMapOvr>
-    <a:masterClrMapping/>
-  </p:clrMapOvr>
-</p:sld>
-</file>
-
-<file path=ppt/slides/slide4.xml><?xml version="1.0" encoding="utf-8"?>
-<p:sld xmlns:a="http://schemas.openxmlformats.org/drawingml/2006/main" xmlns:r="http://schemas.openxmlformats.org/officeDocument/2006/relationships" xmlns:p="http://schemas.openxmlformats.org/presentationml/2006/main">
-  <p:cSld>
-    <p:spTree>
-      <p:nvGrpSpPr>
-        <p:cNvPr id="1" name=""/>
-        <p:cNvGrpSpPr/>
-        <p:nvPr/>
-      </p:nvGrpSpPr>
-      <p:grpSpPr>
-        <a:xfrm>
-          <a:off x="0" y="0"/>
-          <a:ext cx="0" cy="0"/>
-          <a:chOff x="0" y="0"/>
-          <a:chExt cx="0" cy="0"/>
-        </a:xfrm>
-      </p:grpSpPr>
-      <p:sp>
-        <p:nvSpPr>
-          <p:cNvPr id="4" name="TextBox 3">
-            <a:extLst>
-              <a:ext uri="{FF2B5EF4-FFF2-40B4-BE49-F238E27FC236}">
-                <a16:creationId xmlns:a16="http://schemas.microsoft.com/office/drawing/2014/main" id="{B862D70A-1524-8064-D799-A55CB7E764FF}"/>
-              </a:ext>
-            </a:extLst>
-          </p:cNvPr>
-          <p:cNvSpPr txBox="1"/>
-          <p:nvPr/>
-        </p:nvSpPr>
-        <p:spPr>
-          <a:xfrm>
-            <a:off x="282222" y="474133"/>
-            <a:ext cx="3773277" cy="369332"/>
-          </a:xfrm>
-          <a:prstGeom prst="rect">
-            <a:avLst/>
-          </a:prstGeom>
-          <a:noFill/>
-        </p:spPr>
-        <p:txBody>
-          <a:bodyPr wrap="none" rtlCol="0">
-            <a:spAutoFit/>
-          </a:bodyPr>
-          <a:lstStyle/>
-          <a:p>
-            <a:r>
-              <a:rPr lang="en-GB" dirty="0"/>
-              <a:t>MCMC (</a:t>
-            </a:r>
-            <a:r>
-              <a:rPr lang="en-US" altLang="zh-CN" dirty="0"/>
-              <a:t>Ground truth: 14700,92250 </a:t>
-            </a:r>
-            <a:r>
-              <a:rPr lang="en-GB" dirty="0"/>
-              <a:t>)</a:t>
-            </a:r>
-          </a:p>
-        </p:txBody>
-      </p:sp>
-    </p:spTree>
-    <p:extLst>
-      <p:ext uri="{BB962C8B-B14F-4D97-AF65-F5344CB8AC3E}">
-        <p14:creationId xmlns:p14="http://schemas.microsoft.com/office/powerpoint/2010/main" val="1271617307"/>
       </p:ext>
     </p:extLst>
   </p:cSld>
